--- a/textbook/파이썬4-2교시.pptx
+++ b/textbook/파이썬4-2교시.pptx
@@ -3728,7 +3728,7 @@
     <mc:Choice Requires="p14">
       <p:transition/>
     </mc:Choice>
-    <mc:Fallback xmlns="" xmlns:c="http://schemas.openxmlformats.org/drawingml/2006/chart" xmlns:dgm="http://schemas.openxmlformats.org/drawingml/2006/diagram" xmlns:dsp="http://schemas.microsoft.com/office/drawing/2008/diagram">
+    <mc:Fallback xmlns:dsp="http://schemas.microsoft.com/office/drawing/2008/diagram" xmlns:dgm="http://schemas.openxmlformats.org/drawingml/2006/diagram" xmlns:c="http://schemas.openxmlformats.org/drawingml/2006/chart" xmlns="">
       <p:transition/>
     </mc:Fallback>
   </mc:AlternateContent>
@@ -3885,7 +3885,7 @@
     <mc:Choice Requires="p14">
       <p:transition/>
     </mc:Choice>
-    <mc:Fallback xmlns="" xmlns:c="http://schemas.openxmlformats.org/drawingml/2006/chart" xmlns:dgm="http://schemas.openxmlformats.org/drawingml/2006/diagram" xmlns:dsp="http://schemas.microsoft.com/office/drawing/2008/diagram">
+    <mc:Fallback xmlns:dsp="http://schemas.microsoft.com/office/drawing/2008/diagram" xmlns:dgm="http://schemas.openxmlformats.org/drawingml/2006/diagram" xmlns:c="http://schemas.openxmlformats.org/drawingml/2006/chart" xmlns="">
       <p:transition/>
     </mc:Fallback>
   </mc:AlternateContent>
@@ -12692,7 +12692,7 @@
     <mc:Choice Requires="p14">
       <p:transition/>
     </mc:Choice>
-    <mc:Fallback xmlns:dsp="http://schemas.microsoft.com/office/drawing/2008/diagram" xmlns:dgm="http://schemas.openxmlformats.org/drawingml/2006/diagram" xmlns:c="http://schemas.openxmlformats.org/drawingml/2006/chart" xmlns="">
+    <mc:Fallback xmlns="" xmlns:c="http://schemas.openxmlformats.org/drawingml/2006/chart" xmlns:dgm="http://schemas.openxmlformats.org/drawingml/2006/diagram" xmlns:dsp="http://schemas.microsoft.com/office/drawing/2008/diagram">
       <p:transition/>
     </mc:Fallback>
   </mc:AlternateContent>
